--- a/Presentation_PowerPoint_AlmostFinal.pptx
+++ b/Presentation_PowerPoint_AlmostFinal.pptx
@@ -124,7 +124,7 @@
   </p:defaultTextStyle>
   <p:extLst>
     <p:ext uri="{EFAFB233-063F-42B5-8137-9DF3F51BA10A}">
-      <p15:sldGuideLst xmlns="" xmlns:p15="http://schemas.microsoft.com/office/powerpoint/2012/main">
+      <p15:sldGuideLst xmlns:p15="http://schemas.microsoft.com/office/powerpoint/2012/main" xmlns="">
         <p15:guide id="1" orient="horz" pos="2160">
           <p15:clr>
             <a:srgbClr val="A4A3A4"/>
@@ -14939,7 +14939,31 @@
                   <a:schemeClr val="tx1"/>
                 </a:solidFill>
               </a:rPr>
-              <a:t>Reach maximum correlation between the additive phone of the </a:t>
+              <a:t>Reach maximum correlation between the additive </a:t>
+            </a:r>
+            <a:r>
+              <a:rPr lang="en-US" altLang="zh-CN" sz="2400" dirty="0" smtClean="0">
+                <a:solidFill>
+                  <a:schemeClr val="tx1"/>
+                </a:solidFill>
+              </a:rPr>
+              <a:t>noise</a:t>
+            </a:r>
+            <a:r>
+              <a:rPr lang="en-US" altLang="zh-CN" sz="2400" dirty="0" smtClean="0">
+                <a:solidFill>
+                  <a:schemeClr val="tx1"/>
+                </a:solidFill>
+              </a:rPr>
+              <a:t> </a:t>
+            </a:r>
+            <a:r>
+              <a:rPr lang="en-US" altLang="zh-CN" sz="2400" dirty="0" smtClean="0">
+                <a:solidFill>
+                  <a:schemeClr val="tx1"/>
+                </a:solidFill>
+              </a:rPr>
+              <a:t>of the </a:t>
             </a:r>
             <a:r>
               <a:rPr lang="en-US" altLang="zh-CN" sz="2400" i="1" dirty="0" smtClean="0">
@@ -14955,7 +14979,37 @@
                   <a:schemeClr val="tx1"/>
                 </a:solidFill>
               </a:rPr>
-              <a:t> with the pure noise recording</a:t>
+              <a:t> with the pure noise </a:t>
+            </a:r>
+            <a:r>
+              <a:rPr lang="en-US" altLang="zh-CN" sz="2400" dirty="0" smtClean="0">
+                <a:solidFill>
+                  <a:schemeClr val="tx1"/>
+                </a:solidFill>
+              </a:rPr>
+              <a:t>recording</a:t>
+            </a:r>
+          </a:p>
+          <a:p>
+            <a:pPr lvl="1">
+              <a:buFont typeface="Arial" panose="020B0604020202020204" pitchFamily="34" charset="0"/>
+              <a:buChar char="•"/>
+            </a:pPr>
+            <a:r>
+              <a:rPr lang="en-US" altLang="zh-CN" sz="2400" dirty="0" smtClean="0">
+                <a:solidFill>
+                  <a:schemeClr val="tx1"/>
+                </a:solidFill>
+              </a:rPr>
+              <a:t>Echo cancellation: enable </a:t>
+            </a:r>
+            <a:r>
+              <a:rPr lang="en-US" altLang="zh-CN" sz="2400" smtClean="0">
+                <a:solidFill>
+                  <a:schemeClr val="tx1"/>
+                </a:solidFill>
+              </a:rPr>
+              <a:t>hands free</a:t>
             </a:r>
             <a:endParaRPr lang="en-US" altLang="zh-CN" sz="2400" dirty="0">
               <a:solidFill>
